--- a/ppt 16-9/0730.灵性应当上高山.pptx
+++ b/ppt 16-9/0730.灵性应当上高山.pptx
@@ -5,7 +5,7 @@
     <p:sldMasterId id="2147483648" r:id="rId1"/>
   </p:sldMasterIdLst>
   <p:sldIdLst>
-    <p:sldId id="1970" r:id="rId2"/>
+    <p:sldId id="1973" r:id="rId2"/>
   </p:sldIdLst>
   <p:sldSz cx="12192000" cy="6858000"/>
   <p:notesSz cx="6858000" cy="9144000"/>
@@ -129,7 +129,7 @@
           <p:cNvPr id="2" name="标题 1">
             <a:extLst>
               <a:ext uri="{FF2B5EF4-FFF2-40B4-BE49-F238E27FC236}">
-                <a16:creationId xmlns:a16="http://schemas.microsoft.com/office/drawing/2014/main" id="{715CA83D-1E93-40C1-3BD0-A549D2C34E5A}"/>
+                <a16:creationId xmlns:a16="http://schemas.microsoft.com/office/drawing/2014/main" id="{B6F3C92A-C05F-07EE-165F-11160A65C1F0}"/>
               </a:ext>
             </a:extLst>
           </p:cNvPr>
@@ -166,7 +166,7 @@
           <p:cNvPr id="3" name="副标题 2">
             <a:extLst>
               <a:ext uri="{FF2B5EF4-FFF2-40B4-BE49-F238E27FC236}">
-                <a16:creationId xmlns:a16="http://schemas.microsoft.com/office/drawing/2014/main" id="{4422FE9B-ED73-B87A-7718-F89C1CDA2589}"/>
+                <a16:creationId xmlns:a16="http://schemas.microsoft.com/office/drawing/2014/main" id="{A3710D4D-0F79-58AF-F5D8-8AE017FA1D62}"/>
               </a:ext>
             </a:extLst>
           </p:cNvPr>
@@ -236,7 +236,7 @@
           <p:cNvPr id="4" name="日期占位符 3">
             <a:extLst>
               <a:ext uri="{FF2B5EF4-FFF2-40B4-BE49-F238E27FC236}">
-                <a16:creationId xmlns:a16="http://schemas.microsoft.com/office/drawing/2014/main" id="{1273CC8D-5C38-2AAA-EA1F-5F2EFA790BF7}"/>
+                <a16:creationId xmlns:a16="http://schemas.microsoft.com/office/drawing/2014/main" id="{4C8E830C-B7E8-FC40-6719-605E745CD4DA}"/>
               </a:ext>
             </a:extLst>
           </p:cNvPr>
@@ -252,7 +252,7 @@
           <a:bodyPr/>
           <a:lstStyle/>
           <a:p>
-            <a:fld id="{4036B15D-5466-46CE-A01D-66E1C0910733}" type="datetimeFigureOut">
+            <a:fld id="{14C2000A-7ADD-4F50-BE50-12D9618D4722}" type="datetimeFigureOut">
               <a:rPr lang="zh-CN" altLang="en-US" smtClean="0"/>
               <a:t>2024/3/10</a:t>
             </a:fld>
@@ -265,7 +265,7 @@
           <p:cNvPr id="5" name="页脚占位符 4">
             <a:extLst>
               <a:ext uri="{FF2B5EF4-FFF2-40B4-BE49-F238E27FC236}">
-                <a16:creationId xmlns:a16="http://schemas.microsoft.com/office/drawing/2014/main" id="{A35A7EEE-BE07-89EF-FF52-CFF1A8F46407}"/>
+                <a16:creationId xmlns:a16="http://schemas.microsoft.com/office/drawing/2014/main" id="{B0EDED98-8ECD-EC26-F061-EBDA4D7B351A}"/>
               </a:ext>
             </a:extLst>
           </p:cNvPr>
@@ -290,7 +290,7 @@
           <p:cNvPr id="6" name="灯片编号占位符 5">
             <a:extLst>
               <a:ext uri="{FF2B5EF4-FFF2-40B4-BE49-F238E27FC236}">
-                <a16:creationId xmlns:a16="http://schemas.microsoft.com/office/drawing/2014/main" id="{DAFC3928-836B-F4D0-1F94-F46E19060079}"/>
+                <a16:creationId xmlns:a16="http://schemas.microsoft.com/office/drawing/2014/main" id="{323E6F0D-9F7B-F8B7-B5A5-E01942A7054C}"/>
               </a:ext>
             </a:extLst>
           </p:cNvPr>
@@ -306,7 +306,7 @@
           <a:bodyPr/>
           <a:lstStyle/>
           <a:p>
-            <a:fld id="{A7C5163D-71DF-433F-9A37-F57EF28849E6}" type="slidenum">
+            <a:fld id="{463916FB-710A-4661-BA09-A102702DD01B}" type="slidenum">
               <a:rPr lang="zh-CN" altLang="en-US" smtClean="0"/>
               <a:t>‹#›</a:t>
             </a:fld>
@@ -317,7 +317,7 @@
     </p:spTree>
     <p:extLst>
       <p:ext uri="{BB962C8B-B14F-4D97-AF65-F5344CB8AC3E}">
-        <p14:creationId xmlns:p14="http://schemas.microsoft.com/office/powerpoint/2010/main" val="1501251376"/>
+        <p14:creationId xmlns:p14="http://schemas.microsoft.com/office/powerpoint/2010/main" val="3003007112"/>
       </p:ext>
     </p:extLst>
   </p:cSld>
@@ -349,7 +349,7 @@
           <p:cNvPr id="2" name="标题 1">
             <a:extLst>
               <a:ext uri="{FF2B5EF4-FFF2-40B4-BE49-F238E27FC236}">
-                <a16:creationId xmlns:a16="http://schemas.microsoft.com/office/drawing/2014/main" id="{A870DCBE-528B-513B-143A-C70F781AE1AB}"/>
+                <a16:creationId xmlns:a16="http://schemas.microsoft.com/office/drawing/2014/main" id="{157395DE-6BE0-6462-A92E-6711907C4F7D}"/>
               </a:ext>
             </a:extLst>
           </p:cNvPr>
@@ -377,7 +377,7 @@
           <p:cNvPr id="3" name="竖排文字占位符 2">
             <a:extLst>
               <a:ext uri="{FF2B5EF4-FFF2-40B4-BE49-F238E27FC236}">
-                <a16:creationId xmlns:a16="http://schemas.microsoft.com/office/drawing/2014/main" id="{6861B652-47FF-F73B-89E8-9C3E709AD552}"/>
+                <a16:creationId xmlns:a16="http://schemas.microsoft.com/office/drawing/2014/main" id="{01781686-0139-F590-0972-05CB1937F1EE}"/>
               </a:ext>
             </a:extLst>
           </p:cNvPr>
@@ -434,7 +434,7 @@
           <p:cNvPr id="4" name="日期占位符 3">
             <a:extLst>
               <a:ext uri="{FF2B5EF4-FFF2-40B4-BE49-F238E27FC236}">
-                <a16:creationId xmlns:a16="http://schemas.microsoft.com/office/drawing/2014/main" id="{D5DC3C0B-23DC-7397-B899-F2CE0636D476}"/>
+                <a16:creationId xmlns:a16="http://schemas.microsoft.com/office/drawing/2014/main" id="{1EFB2160-E018-F151-AFA1-37D55103051E}"/>
               </a:ext>
             </a:extLst>
           </p:cNvPr>
@@ -450,7 +450,7 @@
           <a:bodyPr/>
           <a:lstStyle/>
           <a:p>
-            <a:fld id="{4036B15D-5466-46CE-A01D-66E1C0910733}" type="datetimeFigureOut">
+            <a:fld id="{14C2000A-7ADD-4F50-BE50-12D9618D4722}" type="datetimeFigureOut">
               <a:rPr lang="zh-CN" altLang="en-US" smtClean="0"/>
               <a:t>2024/3/10</a:t>
             </a:fld>
@@ -463,7 +463,7 @@
           <p:cNvPr id="5" name="页脚占位符 4">
             <a:extLst>
               <a:ext uri="{FF2B5EF4-FFF2-40B4-BE49-F238E27FC236}">
-                <a16:creationId xmlns:a16="http://schemas.microsoft.com/office/drawing/2014/main" id="{2F42C4FC-EE1D-8CE5-C36B-3BA7C78C6217}"/>
+                <a16:creationId xmlns:a16="http://schemas.microsoft.com/office/drawing/2014/main" id="{51652B8E-4C48-64FC-17DA-C917AA07FA44}"/>
               </a:ext>
             </a:extLst>
           </p:cNvPr>
@@ -488,7 +488,7 @@
           <p:cNvPr id="6" name="灯片编号占位符 5">
             <a:extLst>
               <a:ext uri="{FF2B5EF4-FFF2-40B4-BE49-F238E27FC236}">
-                <a16:creationId xmlns:a16="http://schemas.microsoft.com/office/drawing/2014/main" id="{DF58D635-5A7C-511F-4CD3-E1B0D006E6E0}"/>
+                <a16:creationId xmlns:a16="http://schemas.microsoft.com/office/drawing/2014/main" id="{5D61D7E1-08F8-3399-7F45-8B3E57E35D77}"/>
               </a:ext>
             </a:extLst>
           </p:cNvPr>
@@ -504,7 +504,7 @@
           <a:bodyPr/>
           <a:lstStyle/>
           <a:p>
-            <a:fld id="{A7C5163D-71DF-433F-9A37-F57EF28849E6}" type="slidenum">
+            <a:fld id="{463916FB-710A-4661-BA09-A102702DD01B}" type="slidenum">
               <a:rPr lang="zh-CN" altLang="en-US" smtClean="0"/>
               <a:t>‹#›</a:t>
             </a:fld>
@@ -515,7 +515,7 @@
     </p:spTree>
     <p:extLst>
       <p:ext uri="{BB962C8B-B14F-4D97-AF65-F5344CB8AC3E}">
-        <p14:creationId xmlns:p14="http://schemas.microsoft.com/office/powerpoint/2010/main" val="2940436079"/>
+        <p14:creationId xmlns:p14="http://schemas.microsoft.com/office/powerpoint/2010/main" val="3359604979"/>
       </p:ext>
     </p:extLst>
   </p:cSld>
@@ -547,7 +547,7 @@
           <p:cNvPr id="2" name="竖排标题 1">
             <a:extLst>
               <a:ext uri="{FF2B5EF4-FFF2-40B4-BE49-F238E27FC236}">
-                <a16:creationId xmlns:a16="http://schemas.microsoft.com/office/drawing/2014/main" id="{07B90578-E752-B08E-BBAA-A63E8E919EB3}"/>
+                <a16:creationId xmlns:a16="http://schemas.microsoft.com/office/drawing/2014/main" id="{66C3C7C3-4C67-8A5B-A8EC-A7B68C0AF030}"/>
               </a:ext>
             </a:extLst>
           </p:cNvPr>
@@ -580,7 +580,7 @@
           <p:cNvPr id="3" name="竖排文字占位符 2">
             <a:extLst>
               <a:ext uri="{FF2B5EF4-FFF2-40B4-BE49-F238E27FC236}">
-                <a16:creationId xmlns:a16="http://schemas.microsoft.com/office/drawing/2014/main" id="{90C4C394-4461-038A-A3D8-8493069EDDA1}"/>
+                <a16:creationId xmlns:a16="http://schemas.microsoft.com/office/drawing/2014/main" id="{5597717C-8282-5D6A-1FE5-A5D25A047AFE}"/>
               </a:ext>
             </a:extLst>
           </p:cNvPr>
@@ -642,7 +642,7 @@
           <p:cNvPr id="4" name="日期占位符 3">
             <a:extLst>
               <a:ext uri="{FF2B5EF4-FFF2-40B4-BE49-F238E27FC236}">
-                <a16:creationId xmlns:a16="http://schemas.microsoft.com/office/drawing/2014/main" id="{7E7E0771-016F-DAEE-7666-CEFC4DE62E7F}"/>
+                <a16:creationId xmlns:a16="http://schemas.microsoft.com/office/drawing/2014/main" id="{F94D2553-3C43-0AD6-86B3-713087AB0572}"/>
               </a:ext>
             </a:extLst>
           </p:cNvPr>
@@ -658,7 +658,7 @@
           <a:bodyPr/>
           <a:lstStyle/>
           <a:p>
-            <a:fld id="{4036B15D-5466-46CE-A01D-66E1C0910733}" type="datetimeFigureOut">
+            <a:fld id="{14C2000A-7ADD-4F50-BE50-12D9618D4722}" type="datetimeFigureOut">
               <a:rPr lang="zh-CN" altLang="en-US" smtClean="0"/>
               <a:t>2024/3/10</a:t>
             </a:fld>
@@ -671,7 +671,7 @@
           <p:cNvPr id="5" name="页脚占位符 4">
             <a:extLst>
               <a:ext uri="{FF2B5EF4-FFF2-40B4-BE49-F238E27FC236}">
-                <a16:creationId xmlns:a16="http://schemas.microsoft.com/office/drawing/2014/main" id="{B4B40F9F-F355-BF47-F1A3-9DF6B8DB2C2D}"/>
+                <a16:creationId xmlns:a16="http://schemas.microsoft.com/office/drawing/2014/main" id="{FAA67A76-45B5-6ED9-6B4F-2B1DEA4F275F}"/>
               </a:ext>
             </a:extLst>
           </p:cNvPr>
@@ -696,7 +696,7 @@
           <p:cNvPr id="6" name="灯片编号占位符 5">
             <a:extLst>
               <a:ext uri="{FF2B5EF4-FFF2-40B4-BE49-F238E27FC236}">
-                <a16:creationId xmlns:a16="http://schemas.microsoft.com/office/drawing/2014/main" id="{FB41E2AB-ACEC-ECC3-36A0-33F5D3D86A11}"/>
+                <a16:creationId xmlns:a16="http://schemas.microsoft.com/office/drawing/2014/main" id="{E0219056-4BF3-8A4D-D53D-992F2618615A}"/>
               </a:ext>
             </a:extLst>
           </p:cNvPr>
@@ -712,7 +712,7 @@
           <a:bodyPr/>
           <a:lstStyle/>
           <a:p>
-            <a:fld id="{A7C5163D-71DF-433F-9A37-F57EF28849E6}" type="slidenum">
+            <a:fld id="{463916FB-710A-4661-BA09-A102702DD01B}" type="slidenum">
               <a:rPr lang="zh-CN" altLang="en-US" smtClean="0"/>
               <a:t>‹#›</a:t>
             </a:fld>
@@ -723,7 +723,7 @@
     </p:spTree>
     <p:extLst>
       <p:ext uri="{BB962C8B-B14F-4D97-AF65-F5344CB8AC3E}">
-        <p14:creationId xmlns:p14="http://schemas.microsoft.com/office/powerpoint/2010/main" val="3150637824"/>
+        <p14:creationId xmlns:p14="http://schemas.microsoft.com/office/powerpoint/2010/main" val="305001195"/>
       </p:ext>
     </p:extLst>
   </p:cSld>
@@ -755,7 +755,7 @@
           <p:cNvPr id="2" name="标题 1">
             <a:extLst>
               <a:ext uri="{FF2B5EF4-FFF2-40B4-BE49-F238E27FC236}">
-                <a16:creationId xmlns:a16="http://schemas.microsoft.com/office/drawing/2014/main" id="{91CA49C7-C7BB-67B2-90E6-CF737E8E24C5}"/>
+                <a16:creationId xmlns:a16="http://schemas.microsoft.com/office/drawing/2014/main" id="{C514C51A-186B-A8B3-A363-157440728CCA}"/>
               </a:ext>
             </a:extLst>
           </p:cNvPr>
@@ -783,7 +783,7 @@
           <p:cNvPr id="3" name="内容占位符 2">
             <a:extLst>
               <a:ext uri="{FF2B5EF4-FFF2-40B4-BE49-F238E27FC236}">
-                <a16:creationId xmlns:a16="http://schemas.microsoft.com/office/drawing/2014/main" id="{A1EF6770-278C-0A57-13D0-389C032ADE23}"/>
+                <a16:creationId xmlns:a16="http://schemas.microsoft.com/office/drawing/2014/main" id="{59FFCB05-505B-BCD2-2D72-90BCBF529159}"/>
               </a:ext>
             </a:extLst>
           </p:cNvPr>
@@ -840,7 +840,7 @@
           <p:cNvPr id="4" name="日期占位符 3">
             <a:extLst>
               <a:ext uri="{FF2B5EF4-FFF2-40B4-BE49-F238E27FC236}">
-                <a16:creationId xmlns:a16="http://schemas.microsoft.com/office/drawing/2014/main" id="{61CC66A2-1257-259D-3796-109BB5A652C9}"/>
+                <a16:creationId xmlns:a16="http://schemas.microsoft.com/office/drawing/2014/main" id="{BB8DB33C-5788-2B7E-F982-71EE7BD3F184}"/>
               </a:ext>
             </a:extLst>
           </p:cNvPr>
@@ -856,7 +856,7 @@
           <a:bodyPr/>
           <a:lstStyle/>
           <a:p>
-            <a:fld id="{4036B15D-5466-46CE-A01D-66E1C0910733}" type="datetimeFigureOut">
+            <a:fld id="{14C2000A-7ADD-4F50-BE50-12D9618D4722}" type="datetimeFigureOut">
               <a:rPr lang="zh-CN" altLang="en-US" smtClean="0"/>
               <a:t>2024/3/10</a:t>
             </a:fld>
@@ -869,7 +869,7 @@
           <p:cNvPr id="5" name="页脚占位符 4">
             <a:extLst>
               <a:ext uri="{FF2B5EF4-FFF2-40B4-BE49-F238E27FC236}">
-                <a16:creationId xmlns:a16="http://schemas.microsoft.com/office/drawing/2014/main" id="{72362308-7F5F-8E9A-99CF-772B93D61D85}"/>
+                <a16:creationId xmlns:a16="http://schemas.microsoft.com/office/drawing/2014/main" id="{8D8345C8-D7F9-69BF-8A6B-5D72A5E7E72B}"/>
               </a:ext>
             </a:extLst>
           </p:cNvPr>
@@ -894,7 +894,7 @@
           <p:cNvPr id="6" name="灯片编号占位符 5">
             <a:extLst>
               <a:ext uri="{FF2B5EF4-FFF2-40B4-BE49-F238E27FC236}">
-                <a16:creationId xmlns:a16="http://schemas.microsoft.com/office/drawing/2014/main" id="{0ABECED6-6D64-A272-6FDD-9892A32B2FDE}"/>
+                <a16:creationId xmlns:a16="http://schemas.microsoft.com/office/drawing/2014/main" id="{5ED771E4-E370-F1EF-082B-9F916ED67A58}"/>
               </a:ext>
             </a:extLst>
           </p:cNvPr>
@@ -910,7 +910,7 @@
           <a:bodyPr/>
           <a:lstStyle/>
           <a:p>
-            <a:fld id="{A7C5163D-71DF-433F-9A37-F57EF28849E6}" type="slidenum">
+            <a:fld id="{463916FB-710A-4661-BA09-A102702DD01B}" type="slidenum">
               <a:rPr lang="zh-CN" altLang="en-US" smtClean="0"/>
               <a:t>‹#›</a:t>
             </a:fld>
@@ -921,7 +921,7 @@
     </p:spTree>
     <p:extLst>
       <p:ext uri="{BB962C8B-B14F-4D97-AF65-F5344CB8AC3E}">
-        <p14:creationId xmlns:p14="http://schemas.microsoft.com/office/powerpoint/2010/main" val="2054454908"/>
+        <p14:creationId xmlns:p14="http://schemas.microsoft.com/office/powerpoint/2010/main" val="2059192531"/>
       </p:ext>
     </p:extLst>
   </p:cSld>
@@ -953,7 +953,7 @@
           <p:cNvPr id="2" name="标题 1">
             <a:extLst>
               <a:ext uri="{FF2B5EF4-FFF2-40B4-BE49-F238E27FC236}">
-                <a16:creationId xmlns:a16="http://schemas.microsoft.com/office/drawing/2014/main" id="{04CB5AC9-2812-70C5-93E7-4B1029D14100}"/>
+                <a16:creationId xmlns:a16="http://schemas.microsoft.com/office/drawing/2014/main" id="{5E2857E1-73E3-FB05-870F-8713934FC33E}"/>
               </a:ext>
             </a:extLst>
           </p:cNvPr>
@@ -990,7 +990,7 @@
           <p:cNvPr id="3" name="文本占位符 2">
             <a:extLst>
               <a:ext uri="{FF2B5EF4-FFF2-40B4-BE49-F238E27FC236}">
-                <a16:creationId xmlns:a16="http://schemas.microsoft.com/office/drawing/2014/main" id="{77CB69B9-9BB5-A977-4778-7E5A2453BD6B}"/>
+                <a16:creationId xmlns:a16="http://schemas.microsoft.com/office/drawing/2014/main" id="{56EC21A7-6040-5174-FF2C-0C9C0441B315}"/>
               </a:ext>
             </a:extLst>
           </p:cNvPr>
@@ -1115,7 +1115,7 @@
           <p:cNvPr id="4" name="日期占位符 3">
             <a:extLst>
               <a:ext uri="{FF2B5EF4-FFF2-40B4-BE49-F238E27FC236}">
-                <a16:creationId xmlns:a16="http://schemas.microsoft.com/office/drawing/2014/main" id="{3AC45E44-A8C3-CEAF-C10C-2BE87B1113AF}"/>
+                <a16:creationId xmlns:a16="http://schemas.microsoft.com/office/drawing/2014/main" id="{BC8D61DC-0D19-F924-E351-004FCBB506EF}"/>
               </a:ext>
             </a:extLst>
           </p:cNvPr>
@@ -1131,7 +1131,7 @@
           <a:bodyPr/>
           <a:lstStyle/>
           <a:p>
-            <a:fld id="{4036B15D-5466-46CE-A01D-66E1C0910733}" type="datetimeFigureOut">
+            <a:fld id="{14C2000A-7ADD-4F50-BE50-12D9618D4722}" type="datetimeFigureOut">
               <a:rPr lang="zh-CN" altLang="en-US" smtClean="0"/>
               <a:t>2024/3/10</a:t>
             </a:fld>
@@ -1144,7 +1144,7 @@
           <p:cNvPr id="5" name="页脚占位符 4">
             <a:extLst>
               <a:ext uri="{FF2B5EF4-FFF2-40B4-BE49-F238E27FC236}">
-                <a16:creationId xmlns:a16="http://schemas.microsoft.com/office/drawing/2014/main" id="{3115E078-F885-D280-0DD5-0C017E2702F2}"/>
+                <a16:creationId xmlns:a16="http://schemas.microsoft.com/office/drawing/2014/main" id="{AF31C968-BAE8-A107-ABF6-1A14FB0774C6}"/>
               </a:ext>
             </a:extLst>
           </p:cNvPr>
@@ -1169,7 +1169,7 @@
           <p:cNvPr id="6" name="灯片编号占位符 5">
             <a:extLst>
               <a:ext uri="{FF2B5EF4-FFF2-40B4-BE49-F238E27FC236}">
-                <a16:creationId xmlns:a16="http://schemas.microsoft.com/office/drawing/2014/main" id="{B3D6464A-9956-DF6B-CBF9-1708FC9FA75E}"/>
+                <a16:creationId xmlns:a16="http://schemas.microsoft.com/office/drawing/2014/main" id="{EFC95FC4-305A-D997-7F99-FDD3EA78D44A}"/>
               </a:ext>
             </a:extLst>
           </p:cNvPr>
@@ -1185,7 +1185,7 @@
           <a:bodyPr/>
           <a:lstStyle/>
           <a:p>
-            <a:fld id="{A7C5163D-71DF-433F-9A37-F57EF28849E6}" type="slidenum">
+            <a:fld id="{463916FB-710A-4661-BA09-A102702DD01B}" type="slidenum">
               <a:rPr lang="zh-CN" altLang="en-US" smtClean="0"/>
               <a:t>‹#›</a:t>
             </a:fld>
@@ -1196,7 +1196,7 @@
     </p:spTree>
     <p:extLst>
       <p:ext uri="{BB962C8B-B14F-4D97-AF65-F5344CB8AC3E}">
-        <p14:creationId xmlns:p14="http://schemas.microsoft.com/office/powerpoint/2010/main" val="947641002"/>
+        <p14:creationId xmlns:p14="http://schemas.microsoft.com/office/powerpoint/2010/main" val="2736557166"/>
       </p:ext>
     </p:extLst>
   </p:cSld>
@@ -1228,7 +1228,7 @@
           <p:cNvPr id="2" name="标题 1">
             <a:extLst>
               <a:ext uri="{FF2B5EF4-FFF2-40B4-BE49-F238E27FC236}">
-                <a16:creationId xmlns:a16="http://schemas.microsoft.com/office/drawing/2014/main" id="{46C964B1-0AD8-7368-6966-1BA2DF905D0D}"/>
+                <a16:creationId xmlns:a16="http://schemas.microsoft.com/office/drawing/2014/main" id="{F7968B4D-1EBD-23F9-67AC-6B009E772A4A}"/>
               </a:ext>
             </a:extLst>
           </p:cNvPr>
@@ -1256,7 +1256,7 @@
           <p:cNvPr id="3" name="内容占位符 2">
             <a:extLst>
               <a:ext uri="{FF2B5EF4-FFF2-40B4-BE49-F238E27FC236}">
-                <a16:creationId xmlns:a16="http://schemas.microsoft.com/office/drawing/2014/main" id="{0B0F220A-F2B0-6205-F6C8-7D3F141C3C23}"/>
+                <a16:creationId xmlns:a16="http://schemas.microsoft.com/office/drawing/2014/main" id="{CAB2367F-A9AD-3E76-2AA5-B10F506D67DF}"/>
               </a:ext>
             </a:extLst>
           </p:cNvPr>
@@ -1318,7 +1318,7 @@
           <p:cNvPr id="4" name="内容占位符 3">
             <a:extLst>
               <a:ext uri="{FF2B5EF4-FFF2-40B4-BE49-F238E27FC236}">
-                <a16:creationId xmlns:a16="http://schemas.microsoft.com/office/drawing/2014/main" id="{8FB76BF9-E59D-0B07-21DA-36090DAF7EAF}"/>
+                <a16:creationId xmlns:a16="http://schemas.microsoft.com/office/drawing/2014/main" id="{263C4DD7-7F2A-0DCA-0F8A-5AEE5AF24FEE}"/>
               </a:ext>
             </a:extLst>
           </p:cNvPr>
@@ -1380,7 +1380,7 @@
           <p:cNvPr id="5" name="日期占位符 4">
             <a:extLst>
               <a:ext uri="{FF2B5EF4-FFF2-40B4-BE49-F238E27FC236}">
-                <a16:creationId xmlns:a16="http://schemas.microsoft.com/office/drawing/2014/main" id="{9C181B7E-30D8-4FCA-A886-014316DCA8BB}"/>
+                <a16:creationId xmlns:a16="http://schemas.microsoft.com/office/drawing/2014/main" id="{07179BBF-C0B2-704E-428C-A16A0A7FF4AD}"/>
               </a:ext>
             </a:extLst>
           </p:cNvPr>
@@ -1396,7 +1396,7 @@
           <a:bodyPr/>
           <a:lstStyle/>
           <a:p>
-            <a:fld id="{4036B15D-5466-46CE-A01D-66E1C0910733}" type="datetimeFigureOut">
+            <a:fld id="{14C2000A-7ADD-4F50-BE50-12D9618D4722}" type="datetimeFigureOut">
               <a:rPr lang="zh-CN" altLang="en-US" smtClean="0"/>
               <a:t>2024/3/10</a:t>
             </a:fld>
@@ -1409,7 +1409,7 @@
           <p:cNvPr id="6" name="页脚占位符 5">
             <a:extLst>
               <a:ext uri="{FF2B5EF4-FFF2-40B4-BE49-F238E27FC236}">
-                <a16:creationId xmlns:a16="http://schemas.microsoft.com/office/drawing/2014/main" id="{AD757994-9270-21A0-C368-3A91D2B5027A}"/>
+                <a16:creationId xmlns:a16="http://schemas.microsoft.com/office/drawing/2014/main" id="{81CAC1E0-5809-EA7D-50C4-D8B077026696}"/>
               </a:ext>
             </a:extLst>
           </p:cNvPr>
@@ -1434,7 +1434,7 @@
           <p:cNvPr id="7" name="灯片编号占位符 6">
             <a:extLst>
               <a:ext uri="{FF2B5EF4-FFF2-40B4-BE49-F238E27FC236}">
-                <a16:creationId xmlns:a16="http://schemas.microsoft.com/office/drawing/2014/main" id="{46DCB1E4-5FD2-E506-C1F8-8CB5B7C034EA}"/>
+                <a16:creationId xmlns:a16="http://schemas.microsoft.com/office/drawing/2014/main" id="{7719166D-CE55-6CE5-3A14-5E0E01C905B7}"/>
               </a:ext>
             </a:extLst>
           </p:cNvPr>
@@ -1450,7 +1450,7 @@
           <a:bodyPr/>
           <a:lstStyle/>
           <a:p>
-            <a:fld id="{A7C5163D-71DF-433F-9A37-F57EF28849E6}" type="slidenum">
+            <a:fld id="{463916FB-710A-4661-BA09-A102702DD01B}" type="slidenum">
               <a:rPr lang="zh-CN" altLang="en-US" smtClean="0"/>
               <a:t>‹#›</a:t>
             </a:fld>
@@ -1461,7 +1461,7 @@
     </p:spTree>
     <p:extLst>
       <p:ext uri="{BB962C8B-B14F-4D97-AF65-F5344CB8AC3E}">
-        <p14:creationId xmlns:p14="http://schemas.microsoft.com/office/powerpoint/2010/main" val="31128553"/>
+        <p14:creationId xmlns:p14="http://schemas.microsoft.com/office/powerpoint/2010/main" val="3171405897"/>
       </p:ext>
     </p:extLst>
   </p:cSld>
@@ -1493,7 +1493,7 @@
           <p:cNvPr id="2" name="标题 1">
             <a:extLst>
               <a:ext uri="{FF2B5EF4-FFF2-40B4-BE49-F238E27FC236}">
-                <a16:creationId xmlns:a16="http://schemas.microsoft.com/office/drawing/2014/main" id="{5E8252EB-EEE9-D9B2-F393-E7705483A9B3}"/>
+                <a16:creationId xmlns:a16="http://schemas.microsoft.com/office/drawing/2014/main" id="{A27F8236-1715-0409-3BD5-BAE7351376AF}"/>
               </a:ext>
             </a:extLst>
           </p:cNvPr>
@@ -1526,7 +1526,7 @@
           <p:cNvPr id="3" name="文本占位符 2">
             <a:extLst>
               <a:ext uri="{FF2B5EF4-FFF2-40B4-BE49-F238E27FC236}">
-                <a16:creationId xmlns:a16="http://schemas.microsoft.com/office/drawing/2014/main" id="{802CB422-21D2-2CAB-E854-4830874E9F80}"/>
+                <a16:creationId xmlns:a16="http://schemas.microsoft.com/office/drawing/2014/main" id="{38E238FA-8BD6-AB03-CDF9-2F386F306777}"/>
               </a:ext>
             </a:extLst>
           </p:cNvPr>
@@ -1597,7 +1597,7 @@
           <p:cNvPr id="4" name="内容占位符 3">
             <a:extLst>
               <a:ext uri="{FF2B5EF4-FFF2-40B4-BE49-F238E27FC236}">
-                <a16:creationId xmlns:a16="http://schemas.microsoft.com/office/drawing/2014/main" id="{9EBD01F8-7F6E-359E-6533-B157151D17AD}"/>
+                <a16:creationId xmlns:a16="http://schemas.microsoft.com/office/drawing/2014/main" id="{D028FBB5-595B-532F-11C9-E108661BCDD9}"/>
               </a:ext>
             </a:extLst>
           </p:cNvPr>
@@ -1659,7 +1659,7 @@
           <p:cNvPr id="5" name="文本占位符 4">
             <a:extLst>
               <a:ext uri="{FF2B5EF4-FFF2-40B4-BE49-F238E27FC236}">
-                <a16:creationId xmlns:a16="http://schemas.microsoft.com/office/drawing/2014/main" id="{AA5066E6-CFC7-A567-65C2-52F3A06F2C08}"/>
+                <a16:creationId xmlns:a16="http://schemas.microsoft.com/office/drawing/2014/main" id="{06FF5090-8798-548E-57EF-C080A0B0C3B9}"/>
               </a:ext>
             </a:extLst>
           </p:cNvPr>
@@ -1730,7 +1730,7 @@
           <p:cNvPr id="6" name="内容占位符 5">
             <a:extLst>
               <a:ext uri="{FF2B5EF4-FFF2-40B4-BE49-F238E27FC236}">
-                <a16:creationId xmlns:a16="http://schemas.microsoft.com/office/drawing/2014/main" id="{4294ED18-5738-D50F-5A09-9C1A5E88737A}"/>
+                <a16:creationId xmlns:a16="http://schemas.microsoft.com/office/drawing/2014/main" id="{09D4BEB6-F3C3-F9BF-4B5B-D94EC2E7D27A}"/>
               </a:ext>
             </a:extLst>
           </p:cNvPr>
@@ -1792,7 +1792,7 @@
           <p:cNvPr id="7" name="日期占位符 6">
             <a:extLst>
               <a:ext uri="{FF2B5EF4-FFF2-40B4-BE49-F238E27FC236}">
-                <a16:creationId xmlns:a16="http://schemas.microsoft.com/office/drawing/2014/main" id="{FE66A21B-469A-79B7-CF90-D6B8DD9AF4DE}"/>
+                <a16:creationId xmlns:a16="http://schemas.microsoft.com/office/drawing/2014/main" id="{A9272C0E-E52F-5273-E10E-D1D48FA1E775}"/>
               </a:ext>
             </a:extLst>
           </p:cNvPr>
@@ -1808,7 +1808,7 @@
           <a:bodyPr/>
           <a:lstStyle/>
           <a:p>
-            <a:fld id="{4036B15D-5466-46CE-A01D-66E1C0910733}" type="datetimeFigureOut">
+            <a:fld id="{14C2000A-7ADD-4F50-BE50-12D9618D4722}" type="datetimeFigureOut">
               <a:rPr lang="zh-CN" altLang="en-US" smtClean="0"/>
               <a:t>2024/3/10</a:t>
             </a:fld>
@@ -1821,7 +1821,7 @@
           <p:cNvPr id="8" name="页脚占位符 7">
             <a:extLst>
               <a:ext uri="{FF2B5EF4-FFF2-40B4-BE49-F238E27FC236}">
-                <a16:creationId xmlns:a16="http://schemas.microsoft.com/office/drawing/2014/main" id="{F6F05E5D-00CF-5459-F7AD-4F5D3424A5FC}"/>
+                <a16:creationId xmlns:a16="http://schemas.microsoft.com/office/drawing/2014/main" id="{2FC2CEFF-B560-93E0-4CFA-7361D24218B9}"/>
               </a:ext>
             </a:extLst>
           </p:cNvPr>
@@ -1846,7 +1846,7 @@
           <p:cNvPr id="9" name="灯片编号占位符 8">
             <a:extLst>
               <a:ext uri="{FF2B5EF4-FFF2-40B4-BE49-F238E27FC236}">
-                <a16:creationId xmlns:a16="http://schemas.microsoft.com/office/drawing/2014/main" id="{59E2417B-D9BF-4A39-CE0F-5EAC2E027A64}"/>
+                <a16:creationId xmlns:a16="http://schemas.microsoft.com/office/drawing/2014/main" id="{881A2C31-F83E-9883-EF95-72E6BB7A8185}"/>
               </a:ext>
             </a:extLst>
           </p:cNvPr>
@@ -1862,7 +1862,7 @@
           <a:bodyPr/>
           <a:lstStyle/>
           <a:p>
-            <a:fld id="{A7C5163D-71DF-433F-9A37-F57EF28849E6}" type="slidenum">
+            <a:fld id="{463916FB-710A-4661-BA09-A102702DD01B}" type="slidenum">
               <a:rPr lang="zh-CN" altLang="en-US" smtClean="0"/>
               <a:t>‹#›</a:t>
             </a:fld>
@@ -1873,7 +1873,7 @@
     </p:spTree>
     <p:extLst>
       <p:ext uri="{BB962C8B-B14F-4D97-AF65-F5344CB8AC3E}">
-        <p14:creationId xmlns:p14="http://schemas.microsoft.com/office/powerpoint/2010/main" val="2028022402"/>
+        <p14:creationId xmlns:p14="http://schemas.microsoft.com/office/powerpoint/2010/main" val="3414643363"/>
       </p:ext>
     </p:extLst>
   </p:cSld>
@@ -1905,7 +1905,7 @@
           <p:cNvPr id="2" name="标题 1">
             <a:extLst>
               <a:ext uri="{FF2B5EF4-FFF2-40B4-BE49-F238E27FC236}">
-                <a16:creationId xmlns:a16="http://schemas.microsoft.com/office/drawing/2014/main" id="{1243F52D-5EC1-710A-146D-AB399C897035}"/>
+                <a16:creationId xmlns:a16="http://schemas.microsoft.com/office/drawing/2014/main" id="{33C4CEB6-4487-50D6-B608-2844FB8BC13F}"/>
               </a:ext>
             </a:extLst>
           </p:cNvPr>
@@ -1933,7 +1933,7 @@
           <p:cNvPr id="3" name="日期占位符 2">
             <a:extLst>
               <a:ext uri="{FF2B5EF4-FFF2-40B4-BE49-F238E27FC236}">
-                <a16:creationId xmlns:a16="http://schemas.microsoft.com/office/drawing/2014/main" id="{68A514E6-6593-ABE7-83FF-EF3FB4E8A26D}"/>
+                <a16:creationId xmlns:a16="http://schemas.microsoft.com/office/drawing/2014/main" id="{8A9B69E2-D9DC-3AC9-AF63-7189CB254FF9}"/>
               </a:ext>
             </a:extLst>
           </p:cNvPr>
@@ -1949,7 +1949,7 @@
           <a:bodyPr/>
           <a:lstStyle/>
           <a:p>
-            <a:fld id="{4036B15D-5466-46CE-A01D-66E1C0910733}" type="datetimeFigureOut">
+            <a:fld id="{14C2000A-7ADD-4F50-BE50-12D9618D4722}" type="datetimeFigureOut">
               <a:rPr lang="zh-CN" altLang="en-US" smtClean="0"/>
               <a:t>2024/3/10</a:t>
             </a:fld>
@@ -1962,7 +1962,7 @@
           <p:cNvPr id="4" name="页脚占位符 3">
             <a:extLst>
               <a:ext uri="{FF2B5EF4-FFF2-40B4-BE49-F238E27FC236}">
-                <a16:creationId xmlns:a16="http://schemas.microsoft.com/office/drawing/2014/main" id="{24D3B9D6-9717-03B8-D37A-39B0FC015B4E}"/>
+                <a16:creationId xmlns:a16="http://schemas.microsoft.com/office/drawing/2014/main" id="{FAB6FF92-D051-8F29-FED3-986D4BD2B9C6}"/>
               </a:ext>
             </a:extLst>
           </p:cNvPr>
@@ -1987,7 +1987,7 @@
           <p:cNvPr id="5" name="灯片编号占位符 4">
             <a:extLst>
               <a:ext uri="{FF2B5EF4-FFF2-40B4-BE49-F238E27FC236}">
-                <a16:creationId xmlns:a16="http://schemas.microsoft.com/office/drawing/2014/main" id="{829DF1F0-8622-6F84-1564-B8CD51BDCF0E}"/>
+                <a16:creationId xmlns:a16="http://schemas.microsoft.com/office/drawing/2014/main" id="{FAA17604-57CA-89D6-9484-E5B4658733CB}"/>
               </a:ext>
             </a:extLst>
           </p:cNvPr>
@@ -2003,7 +2003,7 @@
           <a:bodyPr/>
           <a:lstStyle/>
           <a:p>
-            <a:fld id="{A7C5163D-71DF-433F-9A37-F57EF28849E6}" type="slidenum">
+            <a:fld id="{463916FB-710A-4661-BA09-A102702DD01B}" type="slidenum">
               <a:rPr lang="zh-CN" altLang="en-US" smtClean="0"/>
               <a:t>‹#›</a:t>
             </a:fld>
@@ -2014,7 +2014,7 @@
     </p:spTree>
     <p:extLst>
       <p:ext uri="{BB962C8B-B14F-4D97-AF65-F5344CB8AC3E}">
-        <p14:creationId xmlns:p14="http://schemas.microsoft.com/office/powerpoint/2010/main" val="2483731294"/>
+        <p14:creationId xmlns:p14="http://schemas.microsoft.com/office/powerpoint/2010/main" val="428818653"/>
       </p:ext>
     </p:extLst>
   </p:cSld>
@@ -2046,7 +2046,7 @@
           <p:cNvPr id="2" name="日期占位符 1">
             <a:extLst>
               <a:ext uri="{FF2B5EF4-FFF2-40B4-BE49-F238E27FC236}">
-                <a16:creationId xmlns:a16="http://schemas.microsoft.com/office/drawing/2014/main" id="{92946139-BDAC-80A0-7E37-8365B5C4FF85}"/>
+                <a16:creationId xmlns:a16="http://schemas.microsoft.com/office/drawing/2014/main" id="{E6EF2761-F7C3-BE8C-D2BF-83651EA5AA92}"/>
               </a:ext>
             </a:extLst>
           </p:cNvPr>
@@ -2062,7 +2062,7 @@
           <a:bodyPr/>
           <a:lstStyle/>
           <a:p>
-            <a:fld id="{4036B15D-5466-46CE-A01D-66E1C0910733}" type="datetimeFigureOut">
+            <a:fld id="{14C2000A-7ADD-4F50-BE50-12D9618D4722}" type="datetimeFigureOut">
               <a:rPr lang="zh-CN" altLang="en-US" smtClean="0"/>
               <a:t>2024/3/10</a:t>
             </a:fld>
@@ -2075,7 +2075,7 @@
           <p:cNvPr id="3" name="页脚占位符 2">
             <a:extLst>
               <a:ext uri="{FF2B5EF4-FFF2-40B4-BE49-F238E27FC236}">
-                <a16:creationId xmlns:a16="http://schemas.microsoft.com/office/drawing/2014/main" id="{05161EB2-C742-50D6-90EF-B878790557D1}"/>
+                <a16:creationId xmlns:a16="http://schemas.microsoft.com/office/drawing/2014/main" id="{F27B85F4-5D8B-BA68-F101-04901C02F393}"/>
               </a:ext>
             </a:extLst>
           </p:cNvPr>
@@ -2100,7 +2100,7 @@
           <p:cNvPr id="4" name="灯片编号占位符 3">
             <a:extLst>
               <a:ext uri="{FF2B5EF4-FFF2-40B4-BE49-F238E27FC236}">
-                <a16:creationId xmlns:a16="http://schemas.microsoft.com/office/drawing/2014/main" id="{2031986B-DEBD-BDE8-995A-F767263E9D5F}"/>
+                <a16:creationId xmlns:a16="http://schemas.microsoft.com/office/drawing/2014/main" id="{3DE2BFBD-3880-4BEB-6185-7A58657AC400}"/>
               </a:ext>
             </a:extLst>
           </p:cNvPr>
@@ -2116,7 +2116,7 @@
           <a:bodyPr/>
           <a:lstStyle/>
           <a:p>
-            <a:fld id="{A7C5163D-71DF-433F-9A37-F57EF28849E6}" type="slidenum">
+            <a:fld id="{463916FB-710A-4661-BA09-A102702DD01B}" type="slidenum">
               <a:rPr lang="zh-CN" altLang="en-US" smtClean="0"/>
               <a:t>‹#›</a:t>
             </a:fld>
@@ -2127,7 +2127,7 @@
     </p:spTree>
     <p:extLst>
       <p:ext uri="{BB962C8B-B14F-4D97-AF65-F5344CB8AC3E}">
-        <p14:creationId xmlns:p14="http://schemas.microsoft.com/office/powerpoint/2010/main" val="622873930"/>
+        <p14:creationId xmlns:p14="http://schemas.microsoft.com/office/powerpoint/2010/main" val="1197196324"/>
       </p:ext>
     </p:extLst>
   </p:cSld>
@@ -2159,7 +2159,7 @@
           <p:cNvPr id="2" name="标题 1">
             <a:extLst>
               <a:ext uri="{FF2B5EF4-FFF2-40B4-BE49-F238E27FC236}">
-                <a16:creationId xmlns:a16="http://schemas.microsoft.com/office/drawing/2014/main" id="{D242EE6A-DB29-4729-D8CB-E17D2E09C753}"/>
+                <a16:creationId xmlns:a16="http://schemas.microsoft.com/office/drawing/2014/main" id="{A652FCB5-D8DF-9D02-4D97-E272B4066595}"/>
               </a:ext>
             </a:extLst>
           </p:cNvPr>
@@ -2196,7 +2196,7 @@
           <p:cNvPr id="3" name="内容占位符 2">
             <a:extLst>
               <a:ext uri="{FF2B5EF4-FFF2-40B4-BE49-F238E27FC236}">
-                <a16:creationId xmlns:a16="http://schemas.microsoft.com/office/drawing/2014/main" id="{6D1A183C-CB8B-1168-B316-A7B51C1CB6E6}"/>
+                <a16:creationId xmlns:a16="http://schemas.microsoft.com/office/drawing/2014/main" id="{28CE8C7E-EA96-BC79-D7A9-26D46987BCE5}"/>
               </a:ext>
             </a:extLst>
           </p:cNvPr>
@@ -2286,7 +2286,7 @@
           <p:cNvPr id="4" name="文本占位符 3">
             <a:extLst>
               <a:ext uri="{FF2B5EF4-FFF2-40B4-BE49-F238E27FC236}">
-                <a16:creationId xmlns:a16="http://schemas.microsoft.com/office/drawing/2014/main" id="{C862852C-CFA1-B1CC-017E-4A5BDB85324E}"/>
+                <a16:creationId xmlns:a16="http://schemas.microsoft.com/office/drawing/2014/main" id="{71E781EA-64C6-BF7F-2EA0-F2658922717E}"/>
               </a:ext>
             </a:extLst>
           </p:cNvPr>
@@ -2357,7 +2357,7 @@
           <p:cNvPr id="5" name="日期占位符 4">
             <a:extLst>
               <a:ext uri="{FF2B5EF4-FFF2-40B4-BE49-F238E27FC236}">
-                <a16:creationId xmlns:a16="http://schemas.microsoft.com/office/drawing/2014/main" id="{00913543-70CC-C728-614E-871DA30A61EF}"/>
+                <a16:creationId xmlns:a16="http://schemas.microsoft.com/office/drawing/2014/main" id="{65B12AE6-5CF0-96D8-D3BA-31B7949338EB}"/>
               </a:ext>
             </a:extLst>
           </p:cNvPr>
@@ -2373,7 +2373,7 @@
           <a:bodyPr/>
           <a:lstStyle/>
           <a:p>
-            <a:fld id="{4036B15D-5466-46CE-A01D-66E1C0910733}" type="datetimeFigureOut">
+            <a:fld id="{14C2000A-7ADD-4F50-BE50-12D9618D4722}" type="datetimeFigureOut">
               <a:rPr lang="zh-CN" altLang="en-US" smtClean="0"/>
               <a:t>2024/3/10</a:t>
             </a:fld>
@@ -2386,7 +2386,7 @@
           <p:cNvPr id="6" name="页脚占位符 5">
             <a:extLst>
               <a:ext uri="{FF2B5EF4-FFF2-40B4-BE49-F238E27FC236}">
-                <a16:creationId xmlns:a16="http://schemas.microsoft.com/office/drawing/2014/main" id="{C28CF0D9-D9CB-7779-F355-F2CDA14DD137}"/>
+                <a16:creationId xmlns:a16="http://schemas.microsoft.com/office/drawing/2014/main" id="{3E63D939-EC50-1342-21B4-ADFE718FCAE5}"/>
               </a:ext>
             </a:extLst>
           </p:cNvPr>
@@ -2411,7 +2411,7 @@
           <p:cNvPr id="7" name="灯片编号占位符 6">
             <a:extLst>
               <a:ext uri="{FF2B5EF4-FFF2-40B4-BE49-F238E27FC236}">
-                <a16:creationId xmlns:a16="http://schemas.microsoft.com/office/drawing/2014/main" id="{B802D606-3608-6D28-D6BD-36CE59CEA213}"/>
+                <a16:creationId xmlns:a16="http://schemas.microsoft.com/office/drawing/2014/main" id="{42EADCAB-9536-0284-895D-EAC6E8D3BFF7}"/>
               </a:ext>
             </a:extLst>
           </p:cNvPr>
@@ -2427,7 +2427,7 @@
           <a:bodyPr/>
           <a:lstStyle/>
           <a:p>
-            <a:fld id="{A7C5163D-71DF-433F-9A37-F57EF28849E6}" type="slidenum">
+            <a:fld id="{463916FB-710A-4661-BA09-A102702DD01B}" type="slidenum">
               <a:rPr lang="zh-CN" altLang="en-US" smtClean="0"/>
               <a:t>‹#›</a:t>
             </a:fld>
@@ -2438,7 +2438,7 @@
     </p:spTree>
     <p:extLst>
       <p:ext uri="{BB962C8B-B14F-4D97-AF65-F5344CB8AC3E}">
-        <p14:creationId xmlns:p14="http://schemas.microsoft.com/office/powerpoint/2010/main" val="478222572"/>
+        <p14:creationId xmlns:p14="http://schemas.microsoft.com/office/powerpoint/2010/main" val="3603653867"/>
       </p:ext>
     </p:extLst>
   </p:cSld>
@@ -2470,7 +2470,7 @@
           <p:cNvPr id="2" name="标题 1">
             <a:extLst>
               <a:ext uri="{FF2B5EF4-FFF2-40B4-BE49-F238E27FC236}">
-                <a16:creationId xmlns:a16="http://schemas.microsoft.com/office/drawing/2014/main" id="{74A94E9C-B93E-669B-AA8B-7821D10FB6F9}"/>
+                <a16:creationId xmlns:a16="http://schemas.microsoft.com/office/drawing/2014/main" id="{16005BD0-2668-C329-BC75-4E287ACE7AB1}"/>
               </a:ext>
             </a:extLst>
           </p:cNvPr>
@@ -2507,7 +2507,7 @@
           <p:cNvPr id="3" name="图片占位符 2">
             <a:extLst>
               <a:ext uri="{FF2B5EF4-FFF2-40B4-BE49-F238E27FC236}">
-                <a16:creationId xmlns:a16="http://schemas.microsoft.com/office/drawing/2014/main" id="{70A68734-0CE1-A756-5019-FA2D14B8D954}"/>
+                <a16:creationId xmlns:a16="http://schemas.microsoft.com/office/drawing/2014/main" id="{33FB906D-EF1B-AD01-9D6F-347960D7B97D}"/>
               </a:ext>
             </a:extLst>
           </p:cNvPr>
@@ -2574,7 +2574,7 @@
           <p:cNvPr id="4" name="文本占位符 3">
             <a:extLst>
               <a:ext uri="{FF2B5EF4-FFF2-40B4-BE49-F238E27FC236}">
-                <a16:creationId xmlns:a16="http://schemas.microsoft.com/office/drawing/2014/main" id="{E3D57C65-B735-1E03-4288-7D855A97AA87}"/>
+                <a16:creationId xmlns:a16="http://schemas.microsoft.com/office/drawing/2014/main" id="{F4FDEBD5-F3E6-3553-227F-82D9D6D0390B}"/>
               </a:ext>
             </a:extLst>
           </p:cNvPr>
@@ -2645,7 +2645,7 @@
           <p:cNvPr id="5" name="日期占位符 4">
             <a:extLst>
               <a:ext uri="{FF2B5EF4-FFF2-40B4-BE49-F238E27FC236}">
-                <a16:creationId xmlns:a16="http://schemas.microsoft.com/office/drawing/2014/main" id="{33C1008E-CE08-947D-6F8E-4045FF5F3DA0}"/>
+                <a16:creationId xmlns:a16="http://schemas.microsoft.com/office/drawing/2014/main" id="{1FA0CA46-9983-6759-B451-2B1A00EC0762}"/>
               </a:ext>
             </a:extLst>
           </p:cNvPr>
@@ -2661,7 +2661,7 @@
           <a:bodyPr/>
           <a:lstStyle/>
           <a:p>
-            <a:fld id="{4036B15D-5466-46CE-A01D-66E1C0910733}" type="datetimeFigureOut">
+            <a:fld id="{14C2000A-7ADD-4F50-BE50-12D9618D4722}" type="datetimeFigureOut">
               <a:rPr lang="zh-CN" altLang="en-US" smtClean="0"/>
               <a:t>2024/3/10</a:t>
             </a:fld>
@@ -2674,7 +2674,7 @@
           <p:cNvPr id="6" name="页脚占位符 5">
             <a:extLst>
               <a:ext uri="{FF2B5EF4-FFF2-40B4-BE49-F238E27FC236}">
-                <a16:creationId xmlns:a16="http://schemas.microsoft.com/office/drawing/2014/main" id="{AA49220D-DC2D-BA9F-FED1-F47E7191CE10}"/>
+                <a16:creationId xmlns:a16="http://schemas.microsoft.com/office/drawing/2014/main" id="{CD1339B1-4E3F-9E56-B73D-E5069520F38E}"/>
               </a:ext>
             </a:extLst>
           </p:cNvPr>
@@ -2699,7 +2699,7 @@
           <p:cNvPr id="7" name="灯片编号占位符 6">
             <a:extLst>
               <a:ext uri="{FF2B5EF4-FFF2-40B4-BE49-F238E27FC236}">
-                <a16:creationId xmlns:a16="http://schemas.microsoft.com/office/drawing/2014/main" id="{175F707D-FED1-3DDA-F6C6-6D790747BD63}"/>
+                <a16:creationId xmlns:a16="http://schemas.microsoft.com/office/drawing/2014/main" id="{11DC95B2-D258-ED74-1D53-26BF33D8E43F}"/>
               </a:ext>
             </a:extLst>
           </p:cNvPr>
@@ -2715,7 +2715,7 @@
           <a:bodyPr/>
           <a:lstStyle/>
           <a:p>
-            <a:fld id="{A7C5163D-71DF-433F-9A37-F57EF28849E6}" type="slidenum">
+            <a:fld id="{463916FB-710A-4661-BA09-A102702DD01B}" type="slidenum">
               <a:rPr lang="zh-CN" altLang="en-US" smtClean="0"/>
               <a:t>‹#›</a:t>
             </a:fld>
@@ -2726,7 +2726,7 @@
     </p:spTree>
     <p:extLst>
       <p:ext uri="{BB962C8B-B14F-4D97-AF65-F5344CB8AC3E}">
-        <p14:creationId xmlns:p14="http://schemas.microsoft.com/office/powerpoint/2010/main" val="3834022124"/>
+        <p14:creationId xmlns:p14="http://schemas.microsoft.com/office/powerpoint/2010/main" val="1944274421"/>
       </p:ext>
     </p:extLst>
   </p:cSld>
@@ -2763,7 +2763,7 @@
           <p:cNvPr id="2" name="标题占位符 1">
             <a:extLst>
               <a:ext uri="{FF2B5EF4-FFF2-40B4-BE49-F238E27FC236}">
-                <a16:creationId xmlns:a16="http://schemas.microsoft.com/office/drawing/2014/main" id="{891F911F-4709-90DC-207E-F6530D6BA50F}"/>
+                <a16:creationId xmlns:a16="http://schemas.microsoft.com/office/drawing/2014/main" id="{47EF2A86-DD2D-C26C-0630-D08321226A6C}"/>
               </a:ext>
             </a:extLst>
           </p:cNvPr>
@@ -2801,7 +2801,7 @@
           <p:cNvPr id="3" name="文本占位符 2">
             <a:extLst>
               <a:ext uri="{FF2B5EF4-FFF2-40B4-BE49-F238E27FC236}">
-                <a16:creationId xmlns:a16="http://schemas.microsoft.com/office/drawing/2014/main" id="{C0C15139-DA91-7ACA-8112-902BD76F495C}"/>
+                <a16:creationId xmlns:a16="http://schemas.microsoft.com/office/drawing/2014/main" id="{D0AC7153-9C43-6031-0EB6-E1BDA188E2EB}"/>
               </a:ext>
             </a:extLst>
           </p:cNvPr>
@@ -2868,7 +2868,7 @@
           <p:cNvPr id="4" name="日期占位符 3">
             <a:extLst>
               <a:ext uri="{FF2B5EF4-FFF2-40B4-BE49-F238E27FC236}">
-                <a16:creationId xmlns:a16="http://schemas.microsoft.com/office/drawing/2014/main" id="{D44C2152-6655-D342-F82A-76B73BF70458}"/>
+                <a16:creationId xmlns:a16="http://schemas.microsoft.com/office/drawing/2014/main" id="{7DB44C1E-6215-2E64-186E-D007ADB3F1A3}"/>
               </a:ext>
             </a:extLst>
           </p:cNvPr>
@@ -2902,7 +2902,7 @@
             </a:lvl1pPr>
           </a:lstStyle>
           <a:p>
-            <a:fld id="{4036B15D-5466-46CE-A01D-66E1C0910733}" type="datetimeFigureOut">
+            <a:fld id="{14C2000A-7ADD-4F50-BE50-12D9618D4722}" type="datetimeFigureOut">
               <a:rPr lang="zh-CN" altLang="en-US" smtClean="0"/>
               <a:t>2024/3/10</a:t>
             </a:fld>
@@ -2915,7 +2915,7 @@
           <p:cNvPr id="5" name="页脚占位符 4">
             <a:extLst>
               <a:ext uri="{FF2B5EF4-FFF2-40B4-BE49-F238E27FC236}">
-                <a16:creationId xmlns:a16="http://schemas.microsoft.com/office/drawing/2014/main" id="{F122F1C1-838C-67E6-1312-C572FC493F12}"/>
+                <a16:creationId xmlns:a16="http://schemas.microsoft.com/office/drawing/2014/main" id="{4D06372D-020D-A947-32A4-ED5DFD163A29}"/>
               </a:ext>
             </a:extLst>
           </p:cNvPr>
@@ -2958,7 +2958,7 @@
           <p:cNvPr id="6" name="灯片编号占位符 5">
             <a:extLst>
               <a:ext uri="{FF2B5EF4-FFF2-40B4-BE49-F238E27FC236}">
-                <a16:creationId xmlns:a16="http://schemas.microsoft.com/office/drawing/2014/main" id="{018FBE5D-374E-2C10-231D-936B01208056}"/>
+                <a16:creationId xmlns:a16="http://schemas.microsoft.com/office/drawing/2014/main" id="{1BB7E4BB-340E-CCB5-3F49-2A264AFDB234}"/>
               </a:ext>
             </a:extLst>
           </p:cNvPr>
@@ -2992,7 +2992,7 @@
             </a:lvl1pPr>
           </a:lstStyle>
           <a:p>
-            <a:fld id="{A7C5163D-71DF-433F-9A37-F57EF28849E6}" type="slidenum">
+            <a:fld id="{463916FB-710A-4661-BA09-A102702DD01B}" type="slidenum">
               <a:rPr lang="zh-CN" altLang="en-US" smtClean="0"/>
               <a:t>‹#›</a:t>
             </a:fld>
@@ -3003,7 +3003,7 @@
     </p:spTree>
     <p:extLst>
       <p:ext uri="{BB962C8B-B14F-4D97-AF65-F5344CB8AC3E}">
-        <p14:creationId xmlns:p14="http://schemas.microsoft.com/office/powerpoint/2010/main" val="3088740685"/>
+        <p14:creationId xmlns:p14="http://schemas.microsoft.com/office/powerpoint/2010/main" val="853720848"/>
       </p:ext>
     </p:extLst>
   </p:cSld>
@@ -3323,7 +3323,7 @@
       </p:grpSpPr>
       <p:pic>
         <p:nvPicPr>
-          <p:cNvPr id="747522" name="Picture 2" descr="729"/>
+          <p:cNvPr id="748546" name="Picture 2" descr="730"/>
           <p:cNvPicPr>
             <a:picLocks noChangeAspect="1" noChangeArrowheads="1"/>
           </p:cNvPicPr>
@@ -3377,7 +3377,7 @@
       </p:pic>
       <p:pic>
         <p:nvPicPr>
-          <p:cNvPr id="748547" name="Picture 3" descr="729-2"/>
+          <p:cNvPr id="749571" name="Picture 3" descr="730-2"/>
           <p:cNvPicPr>
             <a:picLocks noChangeAspect="1" noChangeArrowheads="1"/>
           </p:cNvPicPr>
@@ -3385,70 +3385,6 @@
         </p:nvPicPr>
         <p:blipFill>
           <a:blip r:embed="rId3">
-            <a:extLst>
-              <a:ext uri="{28A0092B-C50C-407E-A947-70E740481C1C}">
-                <a14:useLocalDpi xmlns:a14="http://schemas.microsoft.com/office/drawing/2010/main" val="0"/>
-              </a:ext>
-            </a:extLst>
-          </a:blip>
-          <a:srcRect/>
-          <a:stretch>
-            <a:fillRect/>
-          </a:stretch>
-        </p:blipFill>
-        <p:spPr bwMode="auto">
-          <a:xfrm>
-            <a:off x="1524000" y="0"/>
-            <a:ext cx="9144000" cy="6858000"/>
-          </a:xfrm>
-          <a:prstGeom prst="rect">
-            <a:avLst/>
-          </a:prstGeom>
-          <a:noFill/>
-          <a:ln>
-            <a:noFill/>
-          </a:ln>
-          <a:effectLst/>
-          <a:extLst>
-            <a:ext uri="{909E8E84-426E-40DD-AFC4-6F175D3DCCD1}">
-              <a14:hiddenFill xmlns:a14="http://schemas.microsoft.com/office/drawing/2010/main">
-                <a:solidFill>
-                  <a:srgbClr val="FFFFFF"/>
-                </a:solidFill>
-              </a14:hiddenFill>
-            </a:ext>
-            <a:ext uri="{91240B29-F687-4F45-9708-019B960494DF}">
-              <a14:hiddenLine xmlns:a14="http://schemas.microsoft.com/office/drawing/2010/main" w="9525">
-                <a:solidFill>
-                  <a:srgbClr val="000000"/>
-                </a:solidFill>
-                <a:miter lim="800000"/>
-                <a:headEnd/>
-                <a:tailEnd/>
-              </a14:hiddenLine>
-            </a:ext>
-            <a:ext uri="{AF507438-7753-43E0-B8FC-AC1667EBCBE1}">
-              <a14:hiddenEffects xmlns:a14="http://schemas.microsoft.com/office/drawing/2010/main">
-                <a:effectLst>
-                  <a:outerShdw dist="35921" dir="2700000" algn="ctr" rotWithShape="0">
-                    <a:srgbClr val="808080"/>
-                  </a:outerShdw>
-                </a:effectLst>
-              </a14:hiddenEffects>
-            </a:ext>
-          </a:extLst>
-        </p:spPr>
-      </p:pic>
-      <p:pic>
-        <p:nvPicPr>
-          <p:cNvPr id="748548" name="Picture 4" descr="729-3"/>
-          <p:cNvPicPr>
-            <a:picLocks noChangeAspect="1" noChangeArrowheads="1"/>
-          </p:cNvPicPr>
-          <p:nvPr/>
-        </p:nvPicPr>
-        <p:blipFill>
-          <a:blip r:embed="rId4">
             <a:extLst>
               <a:ext uri="{28A0092B-C50C-407E-A947-70E740481C1C}">
                 <a14:useLocalDpi xmlns:a14="http://schemas.microsoft.com/office/drawing/2010/main" val="0"/>
@@ -3542,7 +3478,7 @@
                                           </p:stCondLst>
                                         </p:cTn>
                                         <p:tgtEl>
-                                          <p:spTgt spid="748547"/>
+                                          <p:spTgt spid="749571"/>
                                         </p:tgtEl>
                                         <p:attrNameLst>
                                           <p:attrName>style.visibility</p:attrName>
@@ -3556,60 +3492,7 @@
                                       <p:cBhvr>
                                         <p:cTn id="7" dur="500"/>
                                         <p:tgtEl>
-                                          <p:spTgt spid="748547"/>
-                                        </p:tgtEl>
-                                      </p:cBhvr>
-                                    </p:animEffect>
-                                  </p:childTnLst>
-                                </p:cTn>
-                              </p:par>
-                            </p:childTnLst>
-                          </p:cTn>
-                        </p:par>
-                      </p:childTnLst>
-                    </p:cTn>
-                  </p:par>
-                  <p:par>
-                    <p:cTn id="8" fill="hold" nodeType="clickPar">
-                      <p:stCondLst>
-                        <p:cond delay="indefinite"/>
-                      </p:stCondLst>
-                      <p:childTnLst>
-                        <p:par>
-                          <p:cTn id="9" fill="hold" nodeType="withGroup">
-                            <p:stCondLst>
-                              <p:cond delay="0"/>
-                            </p:stCondLst>
-                            <p:childTnLst>
-                              <p:par>
-                                <p:cTn id="10" presetID="10" presetClass="entr" presetSubtype="0" fill="hold" nodeType="clickEffect">
-                                  <p:stCondLst>
-                                    <p:cond delay="0"/>
-                                  </p:stCondLst>
-                                  <p:childTnLst>
-                                    <p:set>
-                                      <p:cBhvr>
-                                        <p:cTn id="11" dur="1" fill="hold">
-                                          <p:stCondLst>
-                                            <p:cond delay="0"/>
-                                          </p:stCondLst>
-                                        </p:cTn>
-                                        <p:tgtEl>
-                                          <p:spTgt spid="748548"/>
-                                        </p:tgtEl>
-                                        <p:attrNameLst>
-                                          <p:attrName>style.visibility</p:attrName>
-                                        </p:attrNameLst>
-                                      </p:cBhvr>
-                                      <p:to>
-                                        <p:strVal val="visible"/>
-                                      </p:to>
-                                    </p:set>
-                                    <p:animEffect transition="in" filter="fade">
-                                      <p:cBhvr>
-                                        <p:cTn id="12" dur="500"/>
-                                        <p:tgtEl>
-                                          <p:spTgt spid="748548"/>
+                                          <p:spTgt spid="749571"/>
                                         </p:tgtEl>
                                       </p:cBhvr>
                                     </p:animEffect>
